--- a/design/04.画面設計.pptx
+++ b/design/04.画面設計.pptx
@@ -5387,8 +5387,21 @@
                   <a:schemeClr val="tx1"/>
                 </a:solidFill>
               </a:rPr>
-              <a:t>スライドショー</a:t>
-            </a:r>
+              <a:t>スライドショ</a:t>
+            </a:r>
+            <a:r>
+              <a:rPr kumimoji="1" lang="ja-JP" altLang="en-US" sz="1400" dirty="0" smtClean="0">
+                <a:solidFill>
+                  <a:schemeClr val="tx1"/>
+                </a:solidFill>
+              </a:rPr>
+              <a:t>ー（適当な写真）</a:t>
+            </a:r>
+            <a:endParaRPr kumimoji="1" lang="ja-JP" altLang="en-US" sz="1400" dirty="0" smtClean="0">
+              <a:solidFill>
+                <a:schemeClr val="tx1"/>
+              </a:solidFill>
+            </a:endParaRPr>
           </a:p>
         </p:txBody>
       </p:sp>
@@ -5555,20 +5568,20 @@
           <a:lstStyle/>
           <a:p>
             <a:r>
-              <a:rPr lang="ja-JP" altLang="en-US"/>
+              <a:rPr lang="ja-JP" altLang="en-US" dirty="0"/>
               <a:t>ログイ</a:t>
             </a:r>
             <a:r>
-              <a:rPr lang="ja-JP" altLang="en-US" smtClean="0"/>
+              <a:rPr lang="ja-JP" altLang="en-US" dirty="0" smtClean="0"/>
               <a:t>ン後の</a:t>
             </a:r>
             <a:r>
-              <a:rPr kumimoji="1" lang="ja-JP" altLang="en-US" smtClean="0"/>
+              <a:rPr kumimoji="1" lang="ja-JP" altLang="en-US" dirty="0" smtClean="0"/>
               <a:t>画</a:t>
             </a:r>
             <a:r>
               <a:rPr kumimoji="1" lang="ja-JP" altLang="en-US" dirty="0" smtClean="0"/>
-              <a:t>面</a:t>
+              <a:t>面（メイン画面）</a:t>
             </a:r>
             <a:endParaRPr kumimoji="1" lang="ja-JP" altLang="en-US" dirty="0"/>
           </a:p>
@@ -6313,11 +6326,7 @@
             </a:r>
             <a:r>
               <a:rPr kumimoji="1" lang="ja-JP" altLang="en-US" dirty="0" smtClean="0"/>
-              <a:t>画</a:t>
-            </a:r>
-            <a:r>
-              <a:rPr kumimoji="1" lang="ja-JP" altLang="en-US" dirty="0" smtClean="0"/>
-              <a:t>面</a:t>
+              <a:t>画面</a:t>
             </a:r>
             <a:endParaRPr kumimoji="1" lang="ja-JP" altLang="en-US" dirty="0"/>
           </a:p>
@@ -7049,7 +7058,6 @@
               <a:rPr kumimoji="1" lang="ja-JP" altLang="en-US" sz="900" b="1" dirty="0" smtClean="0"/>
               <a:t>ユーザー名</a:t>
             </a:r>
-            <a:endParaRPr kumimoji="1" lang="ja-JP" altLang="en-US" sz="900" b="1" dirty="0" smtClean="0"/>
           </a:p>
         </p:txBody>
       </p:sp>
@@ -7237,11 +7245,6 @@
               </a:rPr>
               <a:t>新規登録</a:t>
             </a:r>
-            <a:endParaRPr kumimoji="1" lang="ja-JP" altLang="en-US" sz="1400" b="1" dirty="0" smtClean="0">
-              <a:solidFill>
-                <a:schemeClr val="tx1"/>
-              </a:solidFill>
-            </a:endParaRPr>
           </a:p>
         </p:txBody>
       </p:sp>
